--- a/outputs/Inspection_Plan_MLK_PMT_10104_-_V-004.pptx
+++ b/outputs/Inspection_Plan_MLK_PMT_10104_-_V-004.pptx
@@ -10454,7 +10454,7 @@
                         </a:defRPr>
                       </a:pPr>
                       <a:r>
-                        <a:t>1 Bar.G</a:t>
+                        <a:t>1 Bar G</a:t>
                       </a:r>
                     </a:p>
                   </a:txBody>
@@ -11081,7 +11081,7 @@
                         </a:defRPr>
                       </a:pPr>
                       <a:r>
-                        <a:t>1 Bar.G</a:t>
+                        <a:t>1 Bar G</a:t>
                       </a:r>
                     </a:p>
                   </a:txBody>
@@ -11594,7 +11594,7 @@
                         </a:defRPr>
                       </a:pPr>
                       <a:r>
-                        <a:t>1 Bar.G</a:t>
+                        <a:t>1 Bar G</a:t>
                       </a:r>
                     </a:p>
                   </a:txBody>
@@ -12107,7 +12107,7 @@
                         </a:defRPr>
                       </a:pPr>
                       <a:r>
-                        <a:t>1 Bar.G</a:t>
+                        <a:t>1 Bar G</a:t>
                       </a:r>
                     </a:p>
                   </a:txBody>
@@ -12616,7 +12616,7 @@
                         </a:defRPr>
                       </a:pPr>
                       <a:r>
-                        <a:t>1 Bar.G</a:t>
+                        <a:t>1 Bar G</a:t>
                       </a:r>
                     </a:p>
                   </a:txBody>
@@ -13601,7 +13601,7 @@
               </a:defRPr>
             </a:pPr>
             <a:r>
-              <a:t>Condensate Vessel</a:t>
+              <a:t>Air Receiver</a:t>
             </a:r>
           </a:p>
         </p:txBody>
@@ -15837,7 +15837,7 @@
                         </a:defRPr>
                       </a:pPr>
                       <a:r>
-                        <a:t>1 Bar.G</a:t>
+                        <a:t>1 Bar G</a:t>
                       </a:r>
                     </a:p>
                   </a:txBody>
@@ -16464,7 +16464,7 @@
                         </a:defRPr>
                       </a:pPr>
                       <a:r>
-                        <a:t>1 Bar.G</a:t>
+                        <a:t>1 Bar G</a:t>
                       </a:r>
                     </a:p>
                   </a:txBody>
@@ -16977,7 +16977,7 @@
                         </a:defRPr>
                       </a:pPr>
                       <a:r>
-                        <a:t>1 Bar.G</a:t>
+                        <a:t>1 Bar G</a:t>
                       </a:r>
                     </a:p>
                   </a:txBody>
@@ -17490,7 +17490,7 @@
                         </a:defRPr>
                       </a:pPr>
                       <a:r>
-                        <a:t>1 Bar.G</a:t>
+                        <a:t>1 Bar G</a:t>
                       </a:r>
                     </a:p>
                   </a:txBody>
@@ -17999,7 +17999,7 @@
                         </a:defRPr>
                       </a:pPr>
                       <a:r>
-                        <a:t>1 Bar.G</a:t>
+                        <a:t>1 Bar G</a:t>
                       </a:r>
                     </a:p>
                   </a:txBody>
@@ -18984,7 +18984,7 @@
               </a:defRPr>
             </a:pPr>
             <a:r>
-              <a:t>Condensate Vessel</a:t>
+              <a:t>Air Receiver</a:t>
             </a:r>
           </a:p>
         </p:txBody>
@@ -21220,7 +21220,7 @@
                         </a:defRPr>
                       </a:pPr>
                       <a:r>
-                        <a:t>1 Bar.G</a:t>
+                        <a:t>1 Bar G</a:t>
                       </a:r>
                     </a:p>
                   </a:txBody>
@@ -21847,7 +21847,7 @@
                         </a:defRPr>
                       </a:pPr>
                       <a:r>
-                        <a:t>1 Bar.G</a:t>
+                        <a:t>1 Bar G</a:t>
                       </a:r>
                     </a:p>
                   </a:txBody>
@@ -22360,7 +22360,7 @@
                         </a:defRPr>
                       </a:pPr>
                       <a:r>
-                        <a:t>1 Bar.G</a:t>
+                        <a:t>1 Bar G</a:t>
                       </a:r>
                     </a:p>
                   </a:txBody>
@@ -22873,7 +22873,7 @@
                         </a:defRPr>
                       </a:pPr>
                       <a:r>
-                        <a:t>1 Bar.G</a:t>
+                        <a:t>1 Bar G</a:t>
                       </a:r>
                     </a:p>
                   </a:txBody>
@@ -23382,7 +23382,7 @@
                         </a:defRPr>
                       </a:pPr>
                       <a:r>
-                        <a:t>1 Bar.G</a:t>
+                        <a:t>1 Bar G</a:t>
                       </a:r>
                     </a:p>
                   </a:txBody>
@@ -24367,7 +24367,7 @@
               </a:defRPr>
             </a:pPr>
             <a:r>
-              <a:t>Condensate Vessel</a:t>
+              <a:t>Air Receiver</a:t>
             </a:r>
           </a:p>
         </p:txBody>
@@ -26603,7 +26603,7 @@
                         </a:defRPr>
                       </a:pPr>
                       <a:r>
-                        <a:t>1 Bar.G</a:t>
+                        <a:t>1 Bar G</a:t>
                       </a:r>
                     </a:p>
                   </a:txBody>
@@ -27230,7 +27230,7 @@
                         </a:defRPr>
                       </a:pPr>
                       <a:r>
-                        <a:t>1 Bar.G</a:t>
+                        <a:t>1 Bar G</a:t>
                       </a:r>
                     </a:p>
                   </a:txBody>
@@ -27743,7 +27743,7 @@
                         </a:defRPr>
                       </a:pPr>
                       <a:r>
-                        <a:t>1 Bar.G</a:t>
+                        <a:t>1 Bar G</a:t>
                       </a:r>
                     </a:p>
                   </a:txBody>
@@ -27986,7 +27986,7 @@
                         </a:defRPr>
                       </a:pPr>
                       <a:r>
-                        <a:t>Carbon Steel</a:t>
+                        <a:t>Not Found</a:t>
                       </a:r>
                     </a:p>
                   </a:txBody>
@@ -28094,7 +28094,7 @@
                         </a:defRPr>
                       </a:pPr>
                       <a:r>
-                        <a:t>316L</a:t>
+                        <a:t>-</a:t>
                       </a:r>
                     </a:p>
                   </a:txBody>
@@ -28256,7 +28256,7 @@
                         </a:defRPr>
                       </a:pPr>
                       <a:r>
-                        <a:t>1 Bar.G</a:t>
+                        <a:t>1 Bar G</a:t>
                       </a:r>
                     </a:p>
                   </a:txBody>
@@ -28495,7 +28495,7 @@
                         </a:defRPr>
                       </a:pPr>
                       <a:r>
-                        <a:t>Carbon Steel</a:t>
+                        <a:t>Not Found</a:t>
                       </a:r>
                     </a:p>
                   </a:txBody>
@@ -28603,7 +28603,7 @@
                         </a:defRPr>
                       </a:pPr>
                       <a:r>
-                        <a:t>70</a:t>
+                        <a:t>-</a:t>
                       </a:r>
                     </a:p>
                   </a:txBody>
@@ -28765,7 +28765,7 @@
                         </a:defRPr>
                       </a:pPr>
                       <a:r>
-                        <a:t>1 Bar.G</a:t>
+                        <a:t>1 Bar G</a:t>
                       </a:r>
                     </a:p>
                   </a:txBody>
@@ -29750,7 +29750,7 @@
               </a:defRPr>
             </a:pPr>
             <a:r>
-              <a:t>Condensate Vessel</a:t>
+              <a:t>Air Receiver</a:t>
             </a:r>
           </a:p>
         </p:txBody>
@@ -31716,7 +31716,7 @@
                         </a:defRPr>
                       </a:pPr>
                       <a:r>
-                        <a:t>Carbon Steel</a:t>
+                        <a:t>Not Found</a:t>
                       </a:r>
                     </a:p>
                   </a:txBody>
@@ -31824,7 +31824,7 @@
                         </a:defRPr>
                       </a:pPr>
                       <a:r>
-                        <a:t>70</a:t>
+                        <a:t>-</a:t>
                       </a:r>
                     </a:p>
                   </a:txBody>
@@ -31986,7 +31986,7 @@
                         </a:defRPr>
                       </a:pPr>
                       <a:r>
-                        <a:t>1 Bar.G</a:t>
+                        <a:t>1 Bar G</a:t>
                       </a:r>
                     </a:p>
                   </a:txBody>
@@ -32343,7 +32343,7 @@
                         </a:defRPr>
                       </a:pPr>
                       <a:r>
-                        <a:t>Stainless Steel</a:t>
+                        <a:t>Not Found</a:t>
                       </a:r>
                     </a:p>
                   </a:txBody>
@@ -32451,7 +32451,7 @@
                         </a:defRPr>
                       </a:pPr>
                       <a:r>
-                        <a:t>GR.70</a:t>
+                        <a:t>-</a:t>
                       </a:r>
                     </a:p>
                   </a:txBody>
@@ -32613,7 +32613,7 @@
                         </a:defRPr>
                       </a:pPr>
                       <a:r>
-                        <a:t>1 Bar.G</a:t>
+                        <a:t>1 Bar G</a:t>
                       </a:r>
                     </a:p>
                   </a:txBody>
@@ -32856,7 +32856,7 @@
                         </a:defRPr>
                       </a:pPr>
                       <a:r>
-                        <a:t>Stainless Steel</a:t>
+                        <a:t>Not Found</a:t>
                       </a:r>
                     </a:p>
                   </a:txBody>
@@ -32964,7 +32964,7 @@
                         </a:defRPr>
                       </a:pPr>
                       <a:r>
-                        <a:t>Gr.70</a:t>
+                        <a:t>-</a:t>
                       </a:r>
                     </a:p>
                   </a:txBody>
@@ -33126,7 +33126,7 @@
                         </a:defRPr>
                       </a:pPr>
                       <a:r>
-                        <a:t>1 Bar.G</a:t>
+                        <a:t>1 Bar G</a:t>
                       </a:r>
                     </a:p>
                   </a:txBody>
@@ -33369,7 +33369,7 @@
                         </a:defRPr>
                       </a:pPr>
                       <a:r>
-                        <a:t>Carbon Steel</a:t>
+                        <a:t>Not Found</a:t>
                       </a:r>
                     </a:p>
                   </a:txBody>
@@ -33477,7 +33477,7 @@
                         </a:defRPr>
                       </a:pPr>
                       <a:r>
-                        <a:t>70</a:t>
+                        <a:t>-</a:t>
                       </a:r>
                     </a:p>
                   </a:txBody>
@@ -33639,7 +33639,7 @@
                         </a:defRPr>
                       </a:pPr>
                       <a:r>
-                        <a:t>1 Bar.G</a:t>
+                        <a:t>1 Bar G</a:t>
                       </a:r>
                     </a:p>
                   </a:txBody>
@@ -33878,7 +33878,7 @@
                         </a:defRPr>
                       </a:pPr>
                       <a:r>
-                        <a:t>Carbon Steel</a:t>
+                        <a:t>Not Found</a:t>
                       </a:r>
                     </a:p>
                   </a:txBody>
@@ -33986,7 +33986,7 @@
                         </a:defRPr>
                       </a:pPr>
                       <a:r>
-                        <a:t>70</a:t>
+                        <a:t>-</a:t>
                       </a:r>
                     </a:p>
                   </a:txBody>
@@ -34148,7 +34148,7 @@
                         </a:defRPr>
                       </a:pPr>
                       <a:r>
-                        <a:t>1 Bar.G</a:t>
+                        <a:t>1 Bar G</a:t>
                       </a:r>
                     </a:p>
                   </a:txBody>
@@ -35133,7 +35133,7 @@
               </a:defRPr>
             </a:pPr>
             <a:r>
-              <a:t>Condensate Vessel</a:t>
+              <a:t>Air Receiver</a:t>
             </a:r>
           </a:p>
         </p:txBody>
@@ -37099,7 +37099,7 @@
                         </a:defRPr>
                       </a:pPr>
                       <a:r>
-                        <a:t>Carbon Steel</a:t>
+                        <a:t>Not Found</a:t>
                       </a:r>
                     </a:p>
                   </a:txBody>
@@ -37207,7 +37207,7 @@
                         </a:defRPr>
                       </a:pPr>
                       <a:r>
-                        <a:t>70</a:t>
+                        <a:t>-</a:t>
                       </a:r>
                     </a:p>
                   </a:txBody>
@@ -37369,7 +37369,7 @@
                         </a:defRPr>
                       </a:pPr>
                       <a:r>
-                        <a:t>1 Bar.G</a:t>
+                        <a:t>1 Bar G</a:t>
                       </a:r>
                     </a:p>
                   </a:txBody>
@@ -37726,7 +37726,7 @@
                         </a:defRPr>
                       </a:pPr>
                       <a:r>
-                        <a:t>Carbon Steel</a:t>
+                        <a:t>Not Found</a:t>
                       </a:r>
                     </a:p>
                   </a:txBody>
@@ -37834,7 +37834,7 @@
                         </a:defRPr>
                       </a:pPr>
                       <a:r>
-                        <a:t>70</a:t>
+                        <a:t>-</a:t>
                       </a:r>
                     </a:p>
                   </a:txBody>
@@ -37996,7 +37996,7 @@
                         </a:defRPr>
                       </a:pPr>
                       <a:r>
-                        <a:t>1 Bar.G</a:t>
+                        <a:t>1 Bar G</a:t>
                       </a:r>
                     </a:p>
                   </a:txBody>
@@ -38239,7 +38239,7 @@
                         </a:defRPr>
                       </a:pPr>
                       <a:r>
-                        <a:t>Carbon Steel</a:t>
+                        <a:t>Not Found</a:t>
                       </a:r>
                     </a:p>
                   </a:txBody>
@@ -38347,7 +38347,7 @@
                         </a:defRPr>
                       </a:pPr>
                       <a:r>
-                        <a:t>70</a:t>
+                        <a:t>-</a:t>
                       </a:r>
                     </a:p>
                   </a:txBody>
@@ -38509,7 +38509,7 @@
                         </a:defRPr>
                       </a:pPr>
                       <a:r>
-                        <a:t>1 Bar.G</a:t>
+                        <a:t>1 Bar G</a:t>
                       </a:r>
                     </a:p>
                   </a:txBody>
@@ -40552,7 +40552,7 @@
               </a:defRPr>
             </a:pPr>
             <a:r>
-              <a:t>Condensate Vessel</a:t>
+              <a:t>Air Receiver</a:t>
             </a:r>
           </a:p>
         </p:txBody>
@@ -40643,7 +40643,7 @@
       <p:grpSpPr/>
       <p:pic>
         <p:nvPicPr>
-          <p:cNvPr id="2" name="Picture 1" descr="tmpf41z04rg.jpg"/>
+          <p:cNvPr id="2" name="Picture 1" descr="tmp5yydeds9.jpg"/>
           <p:cNvPicPr>
             <a:picLocks noChangeAspect="1"/>
           </p:cNvPicPr>
